--- a/Building a REST Service in Spring Boot.pptx
+++ b/Building a REST Service in Spring Boot.pptx
@@ -144,7 +144,7 @@
           <a:p>
             <a:fld id="{B682B828-8FD0-48F0-B363-507B5E6AC792}" type="datetimeFigureOut">
               <a:rPr lang="nl-BE" smtClean="0"/>
-              <a:t>17/10/2017</a:t>
+              <a:t>23/11/2017</a:t>
             </a:fld>
             <a:endParaRPr lang="nl-BE"/>
           </a:p>
@@ -452,7 +452,7 @@
             <a:fld id="{4AD4AC8D-38F0-0649-BE72-F1F4144BAE1A}" type="datetime4">
               <a:rPr lang="nl-BE"/>
               <a:pPr/>
-              <a:t>17 oktober 2017</a:t>
+              <a:t>23 november 2017</a:t>
             </a:fld>
             <a:endParaRPr lang="nl-NL"/>
           </a:p>
@@ -758,7 +758,7 @@
             <a:fld id="{E1883866-A9A1-8346-8179-8B65B0A5CD69}" type="datetime4">
               <a:rPr lang="nl-BE"/>
               <a:pPr/>
-              <a:t>17 oktober 2017</a:t>
+              <a:t>23 november 2017</a:t>
             </a:fld>
             <a:endParaRPr lang="nl-NL"/>
           </a:p>
@@ -1123,7 +1123,7 @@
           <a:p>
             <a:fld id="{B682B828-8FD0-48F0-B363-507B5E6AC792}" type="datetimeFigureOut">
               <a:rPr lang="nl-BE" smtClean="0"/>
-              <a:t>17/10/2017</a:t>
+              <a:t>23/11/2017</a:t>
             </a:fld>
             <a:endParaRPr lang="nl-BE"/>
           </a:p>
@@ -1741,7 +1741,7 @@
             <a:fld id="{84080862-C3DA-B142-8C1B-A26ED30D81D3}" type="datetime4">
               <a:rPr lang="nl-BE"/>
               <a:pPr/>
-              <a:t>17 oktober 2017</a:t>
+              <a:t>23 november 2017</a:t>
             </a:fld>
             <a:endParaRPr lang="nl-NL"/>
           </a:p>
@@ -1880,7 +1880,7 @@
             <a:fld id="{5B0D3463-D8EF-DC47-8750-58518DA9852A}" type="datetime4">
               <a:rPr lang="nl-BE"/>
               <a:pPr/>
-              <a:t>17 oktober 2017</a:t>
+              <a:t>23 november 2017</a:t>
             </a:fld>
             <a:endParaRPr lang="nl-NL"/>
           </a:p>
@@ -2174,7 +2174,7 @@
             <a:fld id="{E4F4648C-D22C-2348-8F70-534A98382D44}" type="datetime4">
               <a:rPr lang="nl-BE"/>
               <a:pPr/>
-              <a:t>17 oktober 2017</a:t>
+              <a:t>23 november 2017</a:t>
             </a:fld>
             <a:endParaRPr lang="nl-NL"/>
           </a:p>
@@ -2607,7 +2607,7 @@
             <a:fld id="{04B6348F-9287-A147-B0C7-7A8E27DB39A7}" type="datetime4">
               <a:rPr lang="nl-BE"/>
               <a:pPr/>
-              <a:t>17 oktober 2017</a:t>
+              <a:t>23 november 2017</a:t>
             </a:fld>
             <a:endParaRPr lang="nl-NL"/>
           </a:p>
@@ -2732,7 +2732,7 @@
             <a:fld id="{708499D0-EB28-DF4E-9287-C5C7EFD9A5BE}" type="datetime4">
               <a:rPr lang="nl-BE"/>
               <a:pPr/>
-              <a:t>17 oktober 2017</a:t>
+              <a:t>23 november 2017</a:t>
             </a:fld>
             <a:endParaRPr lang="nl-NL"/>
           </a:p>
@@ -2857,7 +2857,7 @@
             <a:fld id="{5D9F27B3-21A2-FD4A-A8FF-B7673D6E1D8D}" type="datetime4">
               <a:rPr lang="nl-BE"/>
               <a:pPr/>
-              <a:t>17 oktober 2017</a:t>
+              <a:t>23 november 2017</a:t>
             </a:fld>
             <a:endParaRPr lang="nl-NL"/>
           </a:p>
@@ -3072,7 +3072,7 @@
           <a:p>
             <a:fld id="{B682B828-8FD0-48F0-B363-507B5E6AC792}" type="datetimeFigureOut">
               <a:rPr lang="nl-BE" smtClean="0"/>
-              <a:t>17/10/2017</a:t>
+              <a:t>23/11/2017</a:t>
             </a:fld>
             <a:endParaRPr lang="nl-BE"/>
           </a:p>
@@ -3758,7 +3758,7 @@
             <a:fld id="{28008DEF-ABDD-3F4C-B11D-8A6A4083E32A}" type="datetime4">
               <a:rPr lang="nl-BE"/>
               <a:pPr/>
-              <a:t>17 oktober 2017</a:t>
+              <a:t>23 november 2017</a:t>
             </a:fld>
             <a:endParaRPr lang="nl-NL"/>
           </a:p>
@@ -4150,30 +4150,6 @@
       </p:sp>
       <p:sp>
         <p:nvSpPr>
-          <p:cNvPr id="3" name="Date Placeholder 2"/>
-          <p:cNvSpPr>
-            <a:spLocks noGrp="1"/>
-          </p:cNvSpPr>
-          <p:nvPr>
-            <p:ph type="dt" sz="half" idx="10"/>
-          </p:nvPr>
-        </p:nvSpPr>
-        <p:spPr/>
-        <p:txBody>
-          <a:bodyPr/>
-          <a:lstStyle/>
-          <a:p>
-            <a:fld id="{708499D0-EB28-DF4E-9287-C5C7EFD9A5BE}" type="datetime4">
-              <a:rPr lang="nl-BE" smtClean="0"/>
-              <a:pPr/>
-              <a:t>17 oktober 2017</a:t>
-            </a:fld>
-            <a:endParaRPr lang="nl-NL"/>
-          </a:p>
-        </p:txBody>
-      </p:sp>
-      <p:sp>
-        <p:nvSpPr>
           <p:cNvPr id="4" name="Slide Number Placeholder 3"/>
           <p:cNvSpPr>
             <a:spLocks noGrp="1"/>
@@ -4211,7 +4187,11 @@
           <a:bodyPr/>
           <a:lstStyle/>
           <a:p>
-            <a:endParaRPr lang="nl-NL"/>
+            <a:r>
+              <a:rPr lang="nl-NL" dirty="0"/>
+              <a:t>http://bit.ly/2mVJhme</a:t>
+            </a:r>
+            <a:endParaRPr lang="nl-NL" dirty="0"/>
           </a:p>
         </p:txBody>
       </p:sp>
@@ -4452,30 +4432,6 @@
       </p:sp>
       <p:sp>
         <p:nvSpPr>
-          <p:cNvPr id="3" name="Date Placeholder 2"/>
-          <p:cNvSpPr>
-            <a:spLocks noGrp="1"/>
-          </p:cNvSpPr>
-          <p:nvPr>
-            <p:ph type="dt" sz="half" idx="10"/>
-          </p:nvPr>
-        </p:nvSpPr>
-        <p:spPr/>
-        <p:txBody>
-          <a:bodyPr/>
-          <a:lstStyle/>
-          <a:p>
-            <a:fld id="{708499D0-EB28-DF4E-9287-C5C7EFD9A5BE}" type="datetime4">
-              <a:rPr lang="nl-BE" smtClean="0"/>
-              <a:pPr/>
-              <a:t>17 oktober 2017</a:t>
-            </a:fld>
-            <a:endParaRPr lang="nl-NL"/>
-          </a:p>
-        </p:txBody>
-      </p:sp>
-      <p:sp>
-        <p:nvSpPr>
           <p:cNvPr id="4" name="Slide Number Placeholder 3"/>
           <p:cNvSpPr>
             <a:spLocks noGrp="1"/>
@@ -4513,7 +4469,11 @@
           <a:bodyPr/>
           <a:lstStyle/>
           <a:p>
-            <a:endParaRPr lang="nl-NL"/>
+            <a:r>
+              <a:rPr lang="nl-NL" dirty="0"/>
+              <a:t>http://bit.ly/2mVJhme</a:t>
+            </a:r>
+            <a:endParaRPr lang="nl-NL" dirty="0"/>
           </a:p>
         </p:txBody>
       </p:sp>
@@ -4914,7 +4874,7 @@
   <a:extraClrSchemeLst/>
   <a:extLst>
     <a:ext uri="{05A4C25C-085E-4340-85A3-A5531E510DB2}">
-      <thm15:themeFamily xmlns:thm15="http://schemas.microsoft.com/office/thememl/2012/main" xmlns="" name="juvothema" id="{A279A2D4-FB5B-4B06-9800-F7A46418B214}" vid="{338ECC38-9024-429E-AE81-1EA33F555F10}"/>
+      <thm15:themeFamily xmlns="" xmlns:thm15="http://schemas.microsoft.com/office/thememl/2012/main" name="juvothema" id="{A279A2D4-FB5B-4B06-9800-F7A46418B214}" vid="{338ECC38-9024-429E-AE81-1EA33F555F10}"/>
     </a:ext>
   </a:extLst>
 </a:theme>
